--- a/vagrant/instantCF.pptx
+++ b/vagrant/instantCF.pptx
@@ -412,7 +412,7 @@
           <a:p>
             <a:fld id="{A17FF71B-F06F-4B1F-89DE-4B1E8DE6ECC7}" type="datetimeFigureOut">
               <a:rPr lang="en-US" smtClean="0"/>
-              <a:t>10/7/2016</a:t>
+              <a:t>10/11/2016</a:t>
             </a:fld>
             <a:endParaRPr lang="en-US"/>
           </a:p>
@@ -826,7 +826,7 @@
           <a:p>
             <a:fld id="{A17FF71B-F06F-4B1F-89DE-4B1E8DE6ECC7}" type="datetimeFigureOut">
               <a:rPr lang="en-US" smtClean="0"/>
-              <a:t>10/7/2016</a:t>
+              <a:t>10/11/2016</a:t>
             </a:fld>
             <a:endParaRPr lang="en-US"/>
           </a:p>
@@ -1162,7 +1162,7 @@
           <a:p>
             <a:fld id="{A17FF71B-F06F-4B1F-89DE-4B1E8DE6ECC7}" type="datetimeFigureOut">
               <a:rPr lang="en-US" smtClean="0"/>
-              <a:t>10/7/2016</a:t>
+              <a:t>10/11/2016</a:t>
             </a:fld>
             <a:endParaRPr lang="en-US"/>
           </a:p>
@@ -1567,7 +1567,7 @@
           <a:p>
             <a:fld id="{A17FF71B-F06F-4B1F-89DE-4B1E8DE6ECC7}" type="datetimeFigureOut">
               <a:rPr lang="en-US" smtClean="0"/>
-              <a:t>10/7/2016</a:t>
+              <a:t>10/11/2016</a:t>
             </a:fld>
             <a:endParaRPr lang="en-US"/>
           </a:p>
@@ -2135,7 +2135,7 @@
           <a:p>
             <a:fld id="{A17FF71B-F06F-4B1F-89DE-4B1E8DE6ECC7}" type="datetimeFigureOut">
               <a:rPr lang="en-US" smtClean="0"/>
-              <a:t>10/7/2016</a:t>
+              <a:t>10/11/2016</a:t>
             </a:fld>
             <a:endParaRPr lang="en-US"/>
           </a:p>
@@ -2816,7 +2816,7 @@
           <a:p>
             <a:fld id="{A17FF71B-F06F-4B1F-89DE-4B1E8DE6ECC7}" type="datetimeFigureOut">
               <a:rPr lang="en-US" smtClean="0"/>
-              <a:t>10/7/2016</a:t>
+              <a:t>10/11/2016</a:t>
             </a:fld>
             <a:endParaRPr lang="en-US"/>
           </a:p>
@@ -3729,7 +3729,7 @@
           <a:p>
             <a:fld id="{A17FF71B-F06F-4B1F-89DE-4B1E8DE6ECC7}" type="datetimeFigureOut">
               <a:rPr lang="en-US" smtClean="0"/>
-              <a:t>10/7/2016</a:t>
+              <a:t>10/11/2016</a:t>
             </a:fld>
             <a:endParaRPr lang="en-US"/>
           </a:p>
@@ -4042,7 +4042,7 @@
           <a:p>
             <a:fld id="{A17FF71B-F06F-4B1F-89DE-4B1E8DE6ECC7}" type="datetimeFigureOut">
               <a:rPr lang="en-US" smtClean="0"/>
-              <a:t>10/7/2016</a:t>
+              <a:t>10/11/2016</a:t>
             </a:fld>
             <a:endParaRPr lang="en-US"/>
           </a:p>
@@ -4306,7 +4306,7 @@
           <a:p>
             <a:fld id="{A17FF71B-F06F-4B1F-89DE-4B1E8DE6ECC7}" type="datetimeFigureOut">
               <a:rPr lang="en-US" smtClean="0"/>
-              <a:t>10/7/2016</a:t>
+              <a:t>10/11/2016</a:t>
             </a:fld>
             <a:endParaRPr lang="en-US"/>
           </a:p>
@@ -4629,7 +4629,7 @@
           <a:p>
             <a:fld id="{A17FF71B-F06F-4B1F-89DE-4B1E8DE6ECC7}" type="datetimeFigureOut">
               <a:rPr lang="en-US" smtClean="0"/>
-              <a:t>10/7/2016</a:t>
+              <a:t>10/11/2016</a:t>
             </a:fld>
             <a:endParaRPr lang="en-US"/>
           </a:p>
@@ -5018,7 +5018,7 @@
           <a:p>
             <a:fld id="{A17FF71B-F06F-4B1F-89DE-4B1E8DE6ECC7}" type="datetimeFigureOut">
               <a:rPr lang="en-US" smtClean="0"/>
-              <a:t>10/7/2016</a:t>
+              <a:t>10/11/2016</a:t>
             </a:fld>
             <a:endParaRPr lang="en-US"/>
           </a:p>
@@ -5394,7 +5394,7 @@
           <a:p>
             <a:fld id="{A17FF71B-F06F-4B1F-89DE-4B1E8DE6ECC7}" type="datetimeFigureOut">
               <a:rPr lang="en-US" smtClean="0"/>
-              <a:t>10/7/2016</a:t>
+              <a:t>10/11/2016</a:t>
             </a:fld>
             <a:endParaRPr lang="en-US"/>
           </a:p>
@@ -5900,7 +5900,7 @@
           <a:p>
             <a:fld id="{A17FF71B-F06F-4B1F-89DE-4B1E8DE6ECC7}" type="datetimeFigureOut">
               <a:rPr lang="en-US" smtClean="0"/>
-              <a:t>10/7/2016</a:t>
+              <a:t>10/11/2016</a:t>
             </a:fld>
             <a:endParaRPr lang="en-US"/>
           </a:p>
@@ -6157,7 +6157,7 @@
           <a:p>
             <a:fld id="{A17FF71B-F06F-4B1F-89DE-4B1E8DE6ECC7}" type="datetimeFigureOut">
               <a:rPr lang="en-US" smtClean="0"/>
-              <a:t>10/7/2016</a:t>
+              <a:t>10/11/2016</a:t>
             </a:fld>
             <a:endParaRPr lang="en-US"/>
           </a:p>
@@ -6320,7 +6320,7 @@
           <a:p>
             <a:fld id="{A17FF71B-F06F-4B1F-89DE-4B1E8DE6ECC7}" type="datetimeFigureOut">
               <a:rPr lang="en-US" smtClean="0"/>
-              <a:t>10/7/2016</a:t>
+              <a:t>10/11/2016</a:t>
             </a:fld>
             <a:endParaRPr lang="en-US"/>
           </a:p>
@@ -6710,7 +6710,7 @@
           <a:p>
             <a:fld id="{A17FF71B-F06F-4B1F-89DE-4B1E8DE6ECC7}" type="datetimeFigureOut">
               <a:rPr lang="en-US" smtClean="0"/>
-              <a:t>10/7/2016</a:t>
+              <a:t>10/11/2016</a:t>
             </a:fld>
             <a:endParaRPr lang="en-US"/>
           </a:p>
@@ -7119,7 +7119,7 @@
           <a:p>
             <a:fld id="{A17FF71B-F06F-4B1F-89DE-4B1E8DE6ECC7}" type="datetimeFigureOut">
               <a:rPr lang="en-US" smtClean="0"/>
-              <a:t>10/7/2016</a:t>
+              <a:t>10/11/2016</a:t>
             </a:fld>
             <a:endParaRPr lang="en-US"/>
           </a:p>
@@ -7363,7 +7363,7 @@
           <a:p>
             <a:fld id="{A17FF71B-F06F-4B1F-89DE-4B1E8DE6ECC7}" type="datetimeFigureOut">
               <a:rPr lang="en-US" smtClean="0"/>
-              <a:t>10/7/2016</a:t>
+              <a:t>10/11/2016</a:t>
             </a:fld>
             <a:endParaRPr lang="en-US"/>
           </a:p>
@@ -7944,7 +7944,6 @@
               <a:rPr lang="en-US" dirty="0" smtClean="0"/>
               <a:t>vagrant\demovm.car</a:t>
             </a:r>
-            <a:endParaRPr lang="en-US" dirty="0" smtClean="0"/>
           </a:p>
           <a:p>
             <a:pPr lvl="1"/>
@@ -7963,11 +7962,7 @@
             <a:pPr lvl="1"/>
             <a:r>
               <a:rPr lang="en-US" dirty="0" smtClean="0"/>
-              <a:t>Add host entry with the IP from vagrant file and the </a:t>
-            </a:r>
-            <a:r>
-              <a:rPr lang="en-US" dirty="0" smtClean="0"/>
-              <a:t>URL</a:t>
+              <a:t>Add host entry with the IP from vagrant file and the URL</a:t>
             </a:r>
             <a:endParaRPr lang="en-US" dirty="0"/>
           </a:p>
@@ -8155,11 +8150,7 @@
           <a:p>
             <a:r>
               <a:rPr lang="en-US" dirty="0" smtClean="0"/>
-              <a:t>Things to </a:t>
-            </a:r>
-            <a:r>
-              <a:rPr lang="en-US" dirty="0" smtClean="0"/>
-              <a:t>note/ Out of Session Scope</a:t>
+              <a:t>Things to note/ Out of Session Scope</a:t>
             </a:r>
             <a:endParaRPr lang="en-US" dirty="0"/>
           </a:p>
@@ -8200,11 +8191,7 @@
             </a:r>
             <a:r>
               <a:rPr lang="en-US" dirty="0" smtClean="0"/>
-              <a:t>exclusive from </a:t>
-            </a:r>
-            <a:r>
-              <a:rPr lang="en-US" dirty="0" smtClean="0"/>
-              <a:t>vagrant</a:t>
+              <a:t>exclusive from vagrant</a:t>
             </a:r>
           </a:p>
           <a:p>
@@ -8373,17 +8360,8 @@
             </a:r>
             <a:r>
               <a:rPr lang="en-US" dirty="0" smtClean="0"/>
-              <a:t> updates</a:t>
-            </a:r>
-            <a:r>
-              <a:rPr lang="en-US" dirty="0" smtClean="0"/>
-              <a:t>, Stored in source </a:t>
-            </a:r>
-            <a:r>
-              <a:rPr lang="en-US" dirty="0" smtClean="0"/>
-              <a:t>control</a:t>
-            </a:r>
-            <a:endParaRPr lang="en-US" dirty="0" smtClean="0"/>
+              <a:t> updates, Stored in source control</a:t>
+            </a:r>
           </a:p>
           <a:p>
             <a:pPr lvl="1"/>
@@ -8534,9 +8512,31 @@
             <a:endParaRPr lang="en-US" dirty="0" smtClean="0"/>
           </a:p>
           <a:p>
+            <a:pPr lvl="1"/>
             <a:r>
               <a:rPr lang="en-US" dirty="0" smtClean="0"/>
               <a:t>Plug ins</a:t>
+            </a:r>
+          </a:p>
+          <a:p>
+            <a:r>
+              <a:rPr lang="en-US" dirty="0">
+                <a:hlinkClick r:id="rId4"/>
+              </a:rPr>
+              <a:t>https://</a:t>
+            </a:r>
+            <a:r>
+              <a:rPr lang="en-US" dirty="0" smtClean="0">
+                <a:hlinkClick r:id="rId4"/>
+              </a:rPr>
+              <a:t>github.com/tripward/presentations/tree/master/vagrant</a:t>
+            </a:r>
+            <a:endParaRPr lang="en-US" dirty="0"/>
+          </a:p>
+          <a:p>
+            <a:r>
+              <a:rPr lang="en-US" dirty="0"/>
+              <a:t>https://helpx.adobe.com/coldfusion/installing/installing-coldfusion-silently.html</a:t>
             </a:r>
             <a:endParaRPr lang="en-US" dirty="0"/>
           </a:p>
@@ -8772,7 +8772,6 @@
               <a:rPr lang="en-US" dirty="0" smtClean="0"/>
               <a:t>Senior Technical Specialist at ICF</a:t>
             </a:r>
-            <a:endParaRPr lang="en-US" dirty="0" smtClean="0"/>
           </a:p>
           <a:p>
             <a:r>
@@ -8878,7 +8877,6 @@
               <a:rPr lang="en-US" dirty="0" smtClean="0"/>
               <a:t>covering</a:t>
             </a:r>
-            <a:endParaRPr lang="en-US" dirty="0" smtClean="0"/>
           </a:p>
           <a:p>
             <a:r>
@@ -8889,11 +8887,7 @@
           <a:p>
             <a:r>
               <a:rPr lang="en-US" dirty="0" smtClean="0"/>
-              <a:t>Why </a:t>
-            </a:r>
-            <a:r>
-              <a:rPr lang="en-US" dirty="0" smtClean="0"/>
-              <a:t>Leverage </a:t>
+              <a:t>Why Leverage </a:t>
             </a:r>
             <a:r>
               <a:rPr lang="en-US" dirty="0"/>
@@ -8999,11 +8993,7 @@
           <a:p>
             <a:r>
               <a:rPr lang="en-US" dirty="0" smtClean="0"/>
-              <a:t>What is </a:t>
-            </a:r>
-            <a:r>
-              <a:rPr lang="en-US" dirty="0" smtClean="0"/>
-              <a:t>Virtualization, We’re Covering</a:t>
+              <a:t>What is Virtualization, We’re Covering</a:t>
             </a:r>
             <a:endParaRPr lang="en-US" dirty="0"/>
           </a:p>
@@ -9047,11 +9037,7 @@
             <a:pPr lvl="1"/>
             <a:r>
               <a:rPr lang="en-US" dirty="0" smtClean="0"/>
-              <a:t>Host and guest, can communicate </a:t>
-            </a:r>
-            <a:r>
-              <a:rPr lang="en-US" dirty="0" smtClean="0"/>
-              <a:t>with each other</a:t>
+              <a:t>Host and guest, can communicate with each other</a:t>
             </a:r>
           </a:p>
           <a:p>
@@ -9226,11 +9212,7 @@
             </a:r>
             <a:r>
               <a:rPr lang="en-US" dirty="0" smtClean="0"/>
-              <a:t>multi </a:t>
-            </a:r>
-            <a:r>
-              <a:rPr lang="en-US" dirty="0" smtClean="0"/>
-              <a:t>team in the case of servers</a:t>
+              <a:t>multi team in the case of servers</a:t>
             </a:r>
           </a:p>
           <a:p>
@@ -9273,11 +9255,7 @@
             <a:pPr lvl="1"/>
             <a:r>
               <a:rPr lang="en-US" dirty="0" smtClean="0"/>
-              <a:t>Polluting </a:t>
-            </a:r>
-            <a:r>
-              <a:rPr lang="en-US" dirty="0" smtClean="0"/>
-              <a:t>workstation with different versions of software</a:t>
+              <a:t>Polluting workstation with different versions of software</a:t>
             </a:r>
             <a:endParaRPr lang="en-US" dirty="0"/>
           </a:p>
@@ -9368,30 +9346,14 @@
             </a:r>
             <a:r>
               <a:rPr lang="en-US" dirty="0" smtClean="0"/>
-              <a:t>mostly) </a:t>
-            </a:r>
-            <a:r>
-              <a:rPr lang="en-US" dirty="0" smtClean="0"/>
-              <a:t>Scripted </a:t>
-            </a:r>
-            <a:r>
-              <a:rPr lang="en-US" dirty="0" smtClean="0"/>
-              <a:t>Vagrant </a:t>
-            </a:r>
-            <a:r>
-              <a:rPr lang="en-US" dirty="0" smtClean="0"/>
-              <a:t>Image</a:t>
+              <a:t>mostly) Scripted Vagrant Image</a:t>
             </a:r>
           </a:p>
           <a:p>
             <a:pPr lvl="1"/>
             <a:r>
               <a:rPr lang="en-US" dirty="0" smtClean="0"/>
-              <a:t>Pick </a:t>
-            </a:r>
-            <a:r>
-              <a:rPr lang="en-US" dirty="0" smtClean="0"/>
-              <a:t>your platform</a:t>
+              <a:t>Pick your platform</a:t>
             </a:r>
           </a:p>
           <a:p>
@@ -9426,11 +9388,7 @@
             <a:pPr lvl="1"/>
             <a:r>
               <a:rPr lang="en-US" dirty="0" smtClean="0"/>
-              <a:t>Repeatable and </a:t>
-            </a:r>
-            <a:r>
-              <a:rPr lang="en-US" dirty="0" smtClean="0"/>
-              <a:t>verifiable</a:t>
+              <a:t>Repeatable and verifiable</a:t>
             </a:r>
           </a:p>
           <a:p>
@@ -9439,19 +9397,13 @@
               <a:rPr lang="en-US" dirty="0" smtClean="0"/>
               <a:t>Once a week, Once a month, Once a year</a:t>
             </a:r>
-            <a:endParaRPr lang="en-US" dirty="0" smtClean="0"/>
           </a:p>
           <a:p>
             <a:pPr lvl="1"/>
             <a:r>
               <a:rPr lang="en-US" dirty="0" smtClean="0"/>
-              <a:t>Abstracts complexity out of set </a:t>
-            </a:r>
-            <a:r>
-              <a:rPr lang="en-US" dirty="0" smtClean="0"/>
-              <a:t>up</a:t>
-            </a:r>
-            <a:endParaRPr lang="en-US" dirty="0" smtClean="0"/>
+              <a:t>Abstracts complexity out of set up</a:t>
+            </a:r>
           </a:p>
         </p:txBody>
       </p:sp>
@@ -9511,11 +9463,7 @@
           <a:p>
             <a:r>
               <a:rPr lang="en-US" dirty="0"/>
-              <a:t>Installing </a:t>
-            </a:r>
-            <a:r>
-              <a:rPr lang="en-US" dirty="0"/>
-              <a:t>Virtual Box </a:t>
+              <a:t>Installing Virtual Box </a:t>
             </a:r>
             <a:r>
               <a:rPr lang="en-US" dirty="0" smtClean="0"/>
@@ -9642,11 +9590,7 @@
           <a:p>
             <a:r>
               <a:rPr lang="en-US" dirty="0" smtClean="0"/>
-              <a:t>Gather </a:t>
-            </a:r>
-            <a:r>
-              <a:rPr lang="en-US" dirty="0" smtClean="0"/>
-              <a:t>Resources/</a:t>
+              <a:t>Gather Resources/</a:t>
             </a:r>
             <a:r>
               <a:rPr lang="en-US" dirty="0" err="1" smtClean="0"/>
@@ -9665,11 +9609,7 @@
             <a:pPr lvl="1"/>
             <a:r>
               <a:rPr lang="en-US" dirty="0" smtClean="0"/>
-              <a:t>Download </a:t>
-            </a:r>
-            <a:r>
-              <a:rPr lang="en-US" dirty="0" smtClean="0"/>
-              <a:t>CF installer</a:t>
+              <a:t>Download CF installer</a:t>
             </a:r>
           </a:p>
           <a:p>
@@ -9807,7 +9747,6 @@
               <a:rPr lang="en-US" dirty="0" smtClean="0"/>
               <a:t>/website</a:t>
             </a:r>
-            <a:endParaRPr lang="en-US" dirty="0" smtClean="0"/>
           </a:p>
           <a:p>
             <a:pPr lvl="1"/>
@@ -9821,15 +9760,7 @@
             </a:r>
             <a:r>
               <a:rPr lang="en-US" dirty="0" smtClean="0"/>
-              <a:t> much </a:t>
-            </a:r>
-            <a:r>
-              <a:rPr lang="en-US" dirty="0" smtClean="0"/>
-              <a:t>easier to </a:t>
-            </a:r>
-            <a:r>
-              <a:rPr lang="en-US" dirty="0" smtClean="0"/>
-              <a:t>duplicate</a:t>
+              <a:t> much easier to duplicate</a:t>
             </a:r>
           </a:p>
           <a:p>
@@ -9838,7 +9769,6 @@
               <a:rPr lang="en-US" dirty="0" smtClean="0"/>
               <a:t>Check out code to /website</a:t>
             </a:r>
-            <a:endParaRPr lang="en-US" dirty="0" smtClean="0"/>
           </a:p>
           <a:p>
             <a:r>
@@ -9886,15 +9816,7 @@
             <a:pPr lvl="1"/>
             <a:r>
               <a:rPr lang="en-US" dirty="0" smtClean="0"/>
-              <a:t>Creates </a:t>
-            </a:r>
-            <a:r>
-              <a:rPr lang="en-US" dirty="0" smtClean="0"/>
-              <a:t>vagrant </a:t>
-            </a:r>
-            <a:r>
-              <a:rPr lang="en-US" dirty="0" smtClean="0"/>
-              <a:t>file</a:t>
+              <a:t>Creates vagrant file</a:t>
             </a:r>
           </a:p>
           <a:p>
@@ -9930,7 +9852,6 @@
               <a:rPr lang="en-US" dirty="0" smtClean="0"/>
               <a:t>file</a:t>
             </a:r>
-            <a:endParaRPr lang="en-US" dirty="0" smtClean="0"/>
           </a:p>
           <a:p>
             <a:pPr lvl="1"/>
@@ -9965,7 +9886,6 @@
               <a:rPr lang="en-US" dirty="0" smtClean="0"/>
               <a:t>Write/Borrow</a:t>
             </a:r>
-            <a:endParaRPr lang="en-US" dirty="0" smtClean="0"/>
           </a:p>
           <a:p>
             <a:r>

--- a/vagrant/instantCF.pptx
+++ b/vagrant/instantCF.pptx
@@ -8259,6 +8259,13 @@
   <p:clrMapOvr>
     <a:masterClrMapping/>
   </p:clrMapOvr>
+  <p:timing>
+    <p:tnLst>
+      <p:par>
+        <p:cTn id="1" dur="indefinite" restart="never" nodeType="tmRoot"/>
+      </p:par>
+    </p:tnLst>
+  </p:timing>
 </p:sld>
 </file>
 
@@ -8535,8 +8542,26 @@
           </a:p>
           <a:p>
             <a:r>
-              <a:rPr lang="en-US" dirty="0"/>
-              <a:t>https://helpx.adobe.com/coldfusion/installing/installing-coldfusion-silently.html</a:t>
+              <a:rPr lang="en-US" dirty="0">
+                <a:hlinkClick r:id="rId5"/>
+              </a:rPr>
+              <a:t>https://</a:t>
+            </a:r>
+            <a:r>
+              <a:rPr lang="en-US" dirty="0" smtClean="0">
+                <a:hlinkClick r:id="rId5"/>
+              </a:rPr>
+              <a:t>helpx.adobe.com/coldfusion/installing/installing-coldfusion-silently.html</a:t>
+            </a:r>
+            <a:endParaRPr lang="en-US" dirty="0" smtClean="0"/>
+          </a:p>
+          <a:p>
+            <a:pPr marL="0" indent="0">
+              <a:buNone/>
+            </a:pPr>
+            <a:r>
+              <a:rPr lang="en-US" smtClean="0"/>
+              <a:t>king@WeRWards.com</a:t>
             </a:r>
             <a:endParaRPr lang="en-US" dirty="0"/>
           </a:p>
@@ -8552,6 +8577,13 @@
   <p:clrMapOvr>
     <a:masterClrMapping/>
   </p:clrMapOvr>
+  <p:timing>
+    <p:tnLst>
+      <p:par>
+        <p:cTn id="1" dur="indefinite" restart="never" nodeType="tmRoot"/>
+      </p:par>
+    </p:tnLst>
+  </p:timing>
 </p:sld>
 </file>
 
@@ -10050,6 +10082,13 @@
   <p:clrMapOvr>
     <a:masterClrMapping/>
   </p:clrMapOvr>
+  <p:timing>
+    <p:tnLst>
+      <p:par>
+        <p:cTn id="1" dur="indefinite" restart="never" nodeType="tmRoot"/>
+      </p:par>
+    </p:tnLst>
+  </p:timing>
 </p:sld>
 </file>
 
